--- a/CAGNY 2021 GAM Smooths.pptx
+++ b/CAGNY 2021 GAM Smooths.pptx
@@ -4661,6 +4661,23 @@
           <a:p>
             <a:r>
               <a:rPr lang="en-US" dirty="0"/>
+              <a:t>GLM’s can suffer from collinearity</a:t>
+            </a:r>
+          </a:p>
+          <a:p>
+            <a:r>
+              <a:rPr lang="en-US" dirty="0"/>
+              <a:t>GAM’s can suffer from both collinearity AND </a:t>
+            </a:r>
+            <a:r>
+              <a:rPr lang="en-US" dirty="0" err="1"/>
+              <a:t>concurvity</a:t>
+            </a:r>
+            <a:endParaRPr lang="en-US" dirty="0"/>
+          </a:p>
+          <a:p>
+            <a:r>
+              <a:rPr lang="en-US" dirty="0"/>
               <a:t>Worst, observed, estimate are different measurements of </a:t>
             </a:r>
             <a:r>
@@ -5438,15 +5455,7 @@
           <a:p>
             <a:r>
               <a:rPr lang="en-US" dirty="0"/>
-              <a:t>Deviance is a </a:t>
-            </a:r>
-            <a:r>
-              <a:rPr lang="en-US" dirty="0" err="1"/>
-              <a:t>a</a:t>
-            </a:r>
-            <a:r>
-              <a:rPr lang="en-US" dirty="0"/>
-              <a:t> goodness of fit statistic</a:t>
+              <a:t>Residual Deviance is a goodness of fit statistic</a:t>
             </a:r>
           </a:p>
           <a:p>
@@ -5460,7 +5469,7 @@
             <a:pPr lvl="1"/>
             <a:r>
               <a:rPr lang="en-US" dirty="0"/>
-              <a:t>Adding new terms to a model ALWAYS lowers deviance</a:t>
+              <a:t>Adding new terms to a model ALWAYS lowers residual deviance</a:t>
             </a:r>
           </a:p>
           <a:p>
@@ -5480,7 +5489,7 @@
             <a:pPr lvl="1"/>
             <a:r>
               <a:rPr lang="en-US" dirty="0"/>
-              <a:t>Adding new terms to a model may lower deviance</a:t>
+              <a:t>Adding new terms to a model may lower AIC</a:t>
             </a:r>
           </a:p>
           <a:p>
@@ -5548,7 +5557,7 @@
           <a:p>
             <a:r>
               <a:rPr lang="en-US" dirty="0"/>
-              <a:t>Conclusion</a:t>
+              <a:t>Holdout test</a:t>
             </a:r>
           </a:p>
         </p:txBody>
@@ -5847,6 +5856,14 @@
           <a:bodyPr/>
           <a:lstStyle/>
           <a:p>
+            <a:r>
+              <a:rPr lang="en-US" dirty="0"/>
+              <a:t>Code available on </a:t>
+            </a:r>
+            <a:r>
+              <a:rPr lang="en-US" dirty="0" err="1"/>
+              <a:t>github</a:t>
+            </a:r>
             <a:endParaRPr lang="en-US" dirty="0"/>
           </a:p>
         </p:txBody>
@@ -5872,7 +5889,31 @@
           <a:bodyPr/>
           <a:lstStyle/>
           <a:p>
-            <a:endParaRPr lang="en-US"/>
+            <a:r>
+              <a:rPr lang="en-US" dirty="0" err="1">
+                <a:hlinkClick r:id="rId2"/>
+              </a:rPr>
+              <a:t>KloeseCode</a:t>
+            </a:r>
+            <a:r>
+              <a:rPr lang="en-US" dirty="0">
+                <a:hlinkClick r:id="rId2"/>
+              </a:rPr>
+              <a:t>/</a:t>
+            </a:r>
+            <a:r>
+              <a:rPr lang="en-US" dirty="0" err="1">
+                <a:hlinkClick r:id="rId2"/>
+              </a:rPr>
+              <a:t>GAM_Examples</a:t>
+            </a:r>
+            <a:r>
+              <a:rPr lang="en-US" dirty="0">
+                <a:hlinkClick r:id="rId2"/>
+              </a:rPr>
+              <a:t>: Example Code for Generalized Additive Models (github.com)</a:t>
+            </a:r>
+            <a:endParaRPr lang="en-US" dirty="0"/>
           </a:p>
         </p:txBody>
       </p:sp>
@@ -5957,15 +5998,7 @@
           <a:p>
             <a:r>
               <a:rPr lang="en-US" dirty="0"/>
-              <a:t>Introduce </a:t>
-            </a:r>
-            <a:r>
-              <a:rPr lang="en-US" dirty="0" err="1"/>
-              <a:t>pricingame</a:t>
-            </a:r>
-            <a:r>
-              <a:rPr lang="en-US" dirty="0"/>
-              <a:t> dataset</a:t>
+              <a:t>Introduce dataset</a:t>
             </a:r>
           </a:p>
           <a:p>
@@ -6136,7 +6169,7 @@
           <a:p>
             <a:r>
               <a:rPr lang="en-US" dirty="0"/>
-              <a:t>Data Size</a:t>
+              <a:t>Merged Data Size</a:t>
             </a:r>
           </a:p>
           <a:p>
@@ -6235,7 +6268,7 @@
             <a:pPr lvl="1"/>
             <a:r>
               <a:rPr lang="en-US" dirty="0"/>
-              <a:t>Motor Power (</a:t>
+              <a:t>Vehicle DIN (</a:t>
             </a:r>
             <a:r>
               <a:rPr lang="en-US" dirty="0" err="1"/>
@@ -6243,7 +6276,7 @@
             </a:r>
             <a:r>
               <a:rPr lang="en-US" dirty="0"/>
-              <a:t>): Representation of motor power (13-200)</a:t>
+              <a:t>): Metric Horse Power (13-200)</a:t>
             </a:r>
           </a:p>
           <a:p>
@@ -6355,7 +6388,7 @@
         </p:spPr>
         <p:txBody>
           <a:bodyPr>
-            <a:normAutofit fontScale="92500"/>
+            <a:normAutofit/>
           </a:bodyPr>
           <a:lstStyle/>
           <a:p>
@@ -6378,20 +6411,6 @@
             <a:r>
               <a:rPr lang="en-US" dirty="0" err="1"/>
               <a:t>tp</a:t>
-            </a:r>
-            <a:r>
-              <a:rPr lang="en-US" dirty="0"/>
-              <a:t>”)</a:t>
-            </a:r>
-          </a:p>
-          <a:p>
-            <a:r>
-              <a:rPr lang="en-US" dirty="0"/>
-              <a:t>Cubic spline is another option (bs = “</a:t>
-            </a:r>
-            <a:r>
-              <a:rPr lang="en-US" dirty="0" err="1"/>
-              <a:t>cr</a:t>
             </a:r>
             <a:r>
               <a:rPr lang="en-US" dirty="0"/>
@@ -6524,17 +6543,45 @@
           <a:p>
             <a:r>
               <a:rPr lang="en-US" dirty="0"/>
-              <a:t>Tensor interaction models pure interaction effect on top of the main effect</a:t>
-            </a:r>
-          </a:p>
-          <a:p>
-            <a:r>
-              <a:rPr lang="en-US" dirty="0"/>
               <a:t>Tensor smooths are useful when the 2 variables have different scales</a:t>
             </a:r>
           </a:p>
           <a:p>
             <a:r>
+              <a:rPr lang="en-US" dirty="0" err="1"/>
+              <a:t>te</a:t>
+            </a:r>
+            <a:r>
+              <a:rPr lang="en-US" dirty="0"/>
+              <a:t>() produces a full tensor product smooth</a:t>
+            </a:r>
+          </a:p>
+          <a:p>
+            <a:pPr lvl="1"/>
+            <a:r>
+              <a:rPr lang="en-US" dirty="0"/>
+              <a:t>Use when the variables do not have their own terms</a:t>
+            </a:r>
+          </a:p>
+          <a:p>
+            <a:r>
+              <a:rPr lang="en-US" dirty="0" err="1"/>
+              <a:t>ti</a:t>
+            </a:r>
+            <a:r>
+              <a:rPr lang="en-US" dirty="0"/>
+              <a:t>() produces a tensor product interaction</a:t>
+            </a:r>
+          </a:p>
+          <a:p>
+            <a:pPr lvl="1"/>
+            <a:r>
+              <a:rPr lang="en-US" dirty="0"/>
+              <a:t>Use when the main effects are already in the model</a:t>
+            </a:r>
+          </a:p>
+          <a:p>
+            <a:r>
               <a:rPr lang="en-US" dirty="0"/>
               <a:t>Experimenting with motor power and vehicle weight</a:t>
             </a:r>
@@ -6543,7 +6590,7 @@
             <a:pPr lvl="1"/>
             <a:r>
               <a:rPr lang="en-US" dirty="0"/>
-              <a:t>Motor Power: Age: 13-200</a:t>
+              <a:t>Vehicle DIN: 13-200 Metric Horse Power</a:t>
             </a:r>
           </a:p>
           <a:p>
@@ -6717,12 +6764,8 @@
           <a:p>
             <a:pPr lvl="1"/>
             <a:r>
-              <a:rPr lang="en-US" dirty="0" err="1"/>
-              <a:t>Motorpower</a:t>
-            </a:r>
-            <a:r>
-              <a:rPr lang="en-US" dirty="0"/>
-              <a:t> &amp; Vehicle weight</a:t>
+              <a:rPr lang="en-US" dirty="0"/>
+              <a:t>Vehicle DIN &amp; Vehicle weight</a:t>
             </a:r>
           </a:p>
         </p:txBody>
@@ -7009,12 +7052,8 @@
           <a:p>
             <a:pPr lvl="1"/>
             <a:r>
-              <a:rPr lang="en-US" dirty="0" err="1"/>
-              <a:t>Motorpower</a:t>
-            </a:r>
-            <a:r>
-              <a:rPr lang="en-US" dirty="0"/>
-              <a:t> &amp; Vehicle weight</a:t>
+              <a:rPr lang="en-US" dirty="0"/>
+              <a:t>Vehicle DIN &amp; Vehicle weight</a:t>
             </a:r>
           </a:p>
         </p:txBody>
@@ -7720,7 +7759,7 @@
           <a:p>
             <a:r>
               <a:rPr lang="en-US" dirty="0"/>
-              <a:t>Tensor Interaction smooth</a:t>
+              <a:t>Visualize interaction</a:t>
             </a:r>
           </a:p>
         </p:txBody>
